--- a/supports/P5_presentation v2.pptx
+++ b/supports/P5_presentation v2.pptx
@@ -3892,64 +3892,18 @@
           <a:bodyPr/>
           <a:lstStyle/>
           <a:p>
-            <a:pPr marL="171450" indent="-171450">
+            <a:pPr marL="0" indent="0">
               <a:buFontTx/>
-              <a:buChar char="-"/>
+              <a:buNone/>
             </a:pPr>
-            <a:r>
-              <a:rPr lang="es-ES" dirty="0" err="1"/>
-              <a:t>Il</a:t>
-            </a:r>
-            <a:r>
-              <a:rPr lang="es-ES" dirty="0"/>
-              <a:t> </a:t>
-            </a:r>
-            <a:r>
-              <a:rPr lang="es-ES" dirty="0" err="1"/>
-              <a:t>faut</a:t>
-            </a:r>
-            <a:r>
-              <a:rPr lang="es-ES" dirty="0"/>
-              <a:t> </a:t>
-            </a:r>
-            <a:r>
-              <a:rPr lang="es-ES" dirty="0" err="1"/>
-              <a:t>avoir</a:t>
-            </a:r>
-            <a:r>
-              <a:rPr lang="es-ES" dirty="0"/>
-              <a:t> en </a:t>
-            </a:r>
-            <a:r>
-              <a:rPr lang="es-ES" dirty="0" err="1"/>
-              <a:t>compte</a:t>
-            </a:r>
-            <a:r>
-              <a:rPr lang="es-ES" dirty="0"/>
-              <a:t> la PCA </a:t>
-            </a:r>
-            <a:r>
-              <a:rPr lang="es-ES" sz="1200" kern="1200" dirty="0">
-                <a:solidFill>
-                  <a:schemeClr val="tx1"/>
-                </a:solidFill>
-                <a:latin typeface="+mn-lt"/>
-                <a:ea typeface="+mn-ea"/>
-                <a:cs typeface="+mn-cs"/>
-              </a:rPr>
-              <a:t>et </a:t>
-            </a:r>
-            <a:r>
-              <a:rPr lang="fr-FR" sz="1200" kern="1200" dirty="0">
-                <a:solidFill>
-                  <a:schemeClr val="tx1"/>
-                </a:solidFill>
-                <a:latin typeface="+mn-lt"/>
-                <a:ea typeface="+mn-ea"/>
-                <a:cs typeface="+mn-cs"/>
-              </a:rPr>
-              <a:t>88% de la variance que nous avons choisi</a:t>
-            </a:r>
+            <a:endParaRPr lang="fr-FR" sz="1200" kern="1200" dirty="0">
+              <a:solidFill>
+                <a:schemeClr val="tx1"/>
+              </a:solidFill>
+              <a:latin typeface="+mn-lt"/>
+              <a:ea typeface="+mn-ea"/>
+              <a:cs typeface="+mn-cs"/>
+            </a:endParaRPr>
           </a:p>
         </p:txBody>
       </p:sp>
@@ -16503,6 +16457,92 @@
               </a:solidFill>
               <a:latin typeface="Google Sans"/>
             </a:endParaRPr>
+          </a:p>
+        </p:txBody>
+      </p:sp>
+      <p:sp>
+        <p:nvSpPr>
+          <p:cNvPr id="18" name="ZoneTexte 17">
+            <a:extLst>
+              <a:ext uri="{FF2B5EF4-FFF2-40B4-BE49-F238E27FC236}">
+                <a16:creationId xmlns:a16="http://schemas.microsoft.com/office/drawing/2014/main" id="{F517F14C-4CCB-4240-B2BF-4E673F26B8CC}"/>
+              </a:ext>
+            </a:extLst>
+          </p:cNvPr>
+          <p:cNvSpPr txBox="1"/>
+          <p:nvPr/>
+        </p:nvSpPr>
+        <p:spPr>
+          <a:xfrm>
+            <a:off x="2876550" y="1816395"/>
+            <a:ext cx="3933012" cy="2308324"/>
+          </a:xfrm>
+          <a:prstGeom prst="rect">
+            <a:avLst/>
+          </a:prstGeom>
+          <a:noFill/>
+          <a:ln w="38100">
+            <a:solidFill>
+              <a:srgbClr val="FF0000"/>
+            </a:solidFill>
+            <a:prstDash val="dash"/>
+          </a:ln>
+        </p:spPr>
+        <p:txBody>
+          <a:bodyPr wrap="square" rtlCol="0">
+            <a:spAutoFit/>
+          </a:bodyPr>
+          <a:lstStyle/>
+          <a:p>
+            <a:pPr algn="ctr"/>
+            <a:r>
+              <a:rPr lang="fr-FR" sz="3600" dirty="0" err="1">
+                <a:solidFill>
+                  <a:srgbClr val="FF0000"/>
+                </a:solidFill>
+              </a:rPr>
+              <a:t>Agregar</a:t>
+            </a:r>
+            <a:r>
+              <a:rPr lang="fr-FR" sz="3600" dirty="0">
+                <a:solidFill>
+                  <a:srgbClr val="FF0000"/>
+                </a:solidFill>
+              </a:rPr>
+              <a:t> </a:t>
+            </a:r>
+            <a:r>
+              <a:rPr lang="fr-FR" sz="3600" dirty="0" err="1">
+                <a:solidFill>
+                  <a:srgbClr val="FF0000"/>
+                </a:solidFill>
+              </a:rPr>
+              <a:t>informacion</a:t>
+            </a:r>
+            <a:r>
+              <a:rPr lang="fr-FR" sz="3600" dirty="0">
+                <a:solidFill>
+                  <a:srgbClr val="FF0000"/>
+                </a:solidFill>
+              </a:rPr>
+              <a:t> de talla de </a:t>
+            </a:r>
+            <a:r>
+              <a:rPr lang="fr-FR" sz="3600" dirty="0" err="1">
+                <a:solidFill>
+                  <a:srgbClr val="FF0000"/>
+                </a:solidFill>
+              </a:rPr>
+              <a:t>dataset</a:t>
+            </a:r>
+            <a:r>
+              <a:rPr lang="fr-FR" sz="3600" dirty="0">
+                <a:solidFill>
+                  <a:srgbClr val="FF0000"/>
+                </a:solidFill>
+              </a:rPr>
+              <a:t> y # de clientes</a:t>
+            </a:r>
           </a:p>
         </p:txBody>
       </p:sp>
@@ -32200,7 +32240,21 @@
                 </a:solidFill>
                 <a:latin typeface="Google Sans"/>
               </a:rPr>
-              <a:t>4 cluster pour la segmentation RFM</a:t>
+              <a:t>4 cluster pour la </a:t>
+            </a:r>
+            <a:r>
+              <a:rPr lang="fr-FR" sz="4000" b="1" u="sng" dirty="0">
+                <a:ln>
+                  <a:solidFill>
+                    <a:srgbClr val="7451EB"/>
+                  </a:solidFill>
+                </a:ln>
+                <a:solidFill>
+                  <a:srgbClr val="7451EB"/>
+                </a:solidFill>
+                <a:latin typeface="Google Sans"/>
+              </a:rPr>
+              <a:t>segmentation RFM</a:t>
             </a:r>
           </a:p>
         </p:txBody>
@@ -32927,6 +32981,130 @@
           <a:p>
             <a:pPr algn="ctr"/>
             <a:endParaRPr lang="fr-FR"/>
+          </a:p>
+        </p:txBody>
+      </p:sp>
+      <p:sp>
+        <p:nvSpPr>
+          <p:cNvPr id="19" name="ZoneTexte 18">
+            <a:extLst>
+              <a:ext uri="{FF2B5EF4-FFF2-40B4-BE49-F238E27FC236}">
+                <a16:creationId xmlns:a16="http://schemas.microsoft.com/office/drawing/2014/main" id="{95C1D90A-8BB6-45A4-ABD5-3B2B5BE25735}"/>
+              </a:ext>
+            </a:extLst>
+          </p:cNvPr>
+          <p:cNvSpPr txBox="1"/>
+          <p:nvPr/>
+        </p:nvSpPr>
+        <p:spPr>
+          <a:xfrm rot="2899383">
+            <a:off x="6351334" y="3332070"/>
+            <a:ext cx="2893293" cy="1107996"/>
+          </a:xfrm>
+          <a:prstGeom prst="rect">
+            <a:avLst/>
+          </a:prstGeom>
+          <a:noFill/>
+          <a:ln w="38100">
+            <a:solidFill>
+              <a:srgbClr val="FF0000"/>
+            </a:solidFill>
+            <a:prstDash val="dash"/>
+          </a:ln>
+        </p:spPr>
+        <p:txBody>
+          <a:bodyPr wrap="none" rtlCol="0">
+            <a:spAutoFit/>
+          </a:bodyPr>
+          <a:lstStyle/>
+          <a:p>
+            <a:pPr algn="ctr"/>
+            <a:r>
+              <a:rPr lang="fr-FR" sz="6600" dirty="0">
+                <a:solidFill>
+                  <a:srgbClr val="FF0000"/>
+                </a:solidFill>
+              </a:rPr>
+              <a:t>Vérifier </a:t>
+            </a:r>
+          </a:p>
+        </p:txBody>
+      </p:sp>
+      <p:sp>
+        <p:nvSpPr>
+          <p:cNvPr id="20" name="ZoneTexte 19">
+            <a:extLst>
+              <a:ext uri="{FF2B5EF4-FFF2-40B4-BE49-F238E27FC236}">
+                <a16:creationId xmlns:a16="http://schemas.microsoft.com/office/drawing/2014/main" id="{1A74F7D7-36A4-493A-8EE4-945ACBE2AEEE}"/>
+              </a:ext>
+            </a:extLst>
+          </p:cNvPr>
+          <p:cNvSpPr txBox="1"/>
+          <p:nvPr/>
+        </p:nvSpPr>
+        <p:spPr>
+          <a:xfrm>
+            <a:off x="8811720" y="1269287"/>
+            <a:ext cx="3002374" cy="400110"/>
+          </a:xfrm>
+          <a:prstGeom prst="rect">
+            <a:avLst/>
+          </a:prstGeom>
+          <a:noFill/>
+          <a:ln w="38100">
+            <a:solidFill>
+              <a:srgbClr val="FF0000"/>
+            </a:solidFill>
+            <a:prstDash val="dash"/>
+          </a:ln>
+        </p:spPr>
+        <p:txBody>
+          <a:bodyPr wrap="square" rtlCol="0">
+            <a:spAutoFit/>
+          </a:bodyPr>
+          <a:lstStyle/>
+          <a:p>
+            <a:pPr algn="ctr"/>
+            <a:r>
+              <a:rPr lang="fr-FR" sz="2000" dirty="0">
+                <a:solidFill>
+                  <a:srgbClr val="FF0000"/>
+                </a:solidFill>
+              </a:rPr>
+              <a:t>Se </a:t>
+            </a:r>
+            <a:r>
+              <a:rPr lang="fr-FR" sz="2000" dirty="0" err="1">
+                <a:solidFill>
+                  <a:srgbClr val="FF0000"/>
+                </a:solidFill>
+              </a:rPr>
+              <a:t>uso</a:t>
+            </a:r>
+            <a:r>
+              <a:rPr lang="fr-FR" sz="2000" dirty="0">
+                <a:solidFill>
+                  <a:srgbClr val="FF0000"/>
+                </a:solidFill>
+              </a:rPr>
+              <a:t> </a:t>
+            </a:r>
+            <a:r>
+              <a:rPr lang="fr-FR" sz="2000" dirty="0" err="1">
+                <a:solidFill>
+                  <a:srgbClr val="FF0000"/>
+                </a:solidFill>
+              </a:rPr>
+              <a:t>internal</a:t>
+            </a:r>
+            <a:r>
+              <a:rPr lang="fr-FR" sz="2000" dirty="0">
+                <a:solidFill>
+                  <a:srgbClr val="FF0000"/>
+                </a:solidFill>
+              </a:rPr>
+              <a:t> information</a:t>
+            </a:r>
           </a:p>
         </p:txBody>
       </p:sp>
@@ -33374,7 +33552,7 @@
         </p:blipFill>
         <p:spPr>
           <a:xfrm>
-            <a:off x="377906" y="1925446"/>
+            <a:off x="889534" y="1925446"/>
             <a:ext cx="7477678" cy="3466329"/>
           </a:xfrm>
           <a:prstGeom prst="rect">
@@ -33407,7 +33585,7 @@
         <p:spPr>
           <a:xfrm>
             <a:off x="-18013" y="1205873"/>
-            <a:ext cx="6631463" cy="457727"/>
+            <a:ext cx="6854243" cy="457727"/>
           </a:xfrm>
           <a:prstGeom prst="rect">
             <a:avLst/>
@@ -33469,8 +33647,8 @@
         </p:nvSpPr>
         <p:spPr>
           <a:xfrm>
-            <a:off x="1" y="1235627"/>
-            <a:ext cx="6613449" cy="400110"/>
+            <a:off x="2" y="1235627"/>
+            <a:ext cx="6836228" cy="400110"/>
           </a:xfrm>
           <a:prstGeom prst="rect">
             <a:avLst/>
@@ -33556,7 +33734,7 @@
                 <a:effectLst/>
                 <a:latin typeface="docs-Roboto"/>
               </a:rPr>
-              <a:t> moyenne est de : 0.40</a:t>
+              <a:t> moyenne est de : 0.4048</a:t>
             </a:r>
             <a:endParaRPr lang="fr-FR" sz="1200" b="1" i="1" dirty="0">
               <a:ln>
@@ -34676,8 +34854,8 @@
         </p:nvSpPr>
         <p:spPr>
           <a:xfrm>
-            <a:off x="6237514" y="5736047"/>
-            <a:ext cx="5954486" cy="347580"/>
+            <a:off x="6008914" y="5736047"/>
+            <a:ext cx="6183086" cy="347580"/>
           </a:xfrm>
           <a:prstGeom prst="rect">
             <a:avLst/>
@@ -34739,8 +34917,8 @@
         </p:nvSpPr>
         <p:spPr>
           <a:xfrm>
-            <a:off x="6313714" y="5745072"/>
-            <a:ext cx="5878286" cy="338554"/>
+            <a:off x="6008914" y="5745072"/>
+            <a:ext cx="6183086" cy="338554"/>
           </a:xfrm>
           <a:prstGeom prst="rect">
             <a:avLst/>
@@ -34767,7 +34945,7 @@
                 <a:effectLst/>
                 <a:latin typeface="Google Sans"/>
               </a:rPr>
-              <a:t>Après filtrage, on peut dire que tous les client ont récemment acheté</a:t>
+              <a:t>Après filtrage, on peut dire que tous les client ont « récemment acheté »</a:t>
             </a:r>
           </a:p>
         </p:txBody>
@@ -35605,7 +35783,21 @@
                 </a:solidFill>
                 <a:latin typeface="Google Sans"/>
               </a:rPr>
-              <a:t>La segmentation RFM plus les catégories</a:t>
+              <a:t>La segmentation </a:t>
+            </a:r>
+            <a:r>
+              <a:rPr lang="fr-FR" sz="4000" b="1" u="sng" dirty="0">
+                <a:ln>
+                  <a:solidFill>
+                    <a:srgbClr val="7451EB"/>
+                  </a:solidFill>
+                </a:ln>
+                <a:solidFill>
+                  <a:srgbClr val="7451EB"/>
+                </a:solidFill>
+                <a:latin typeface="Google Sans"/>
+              </a:rPr>
+              <a:t>RFM plus les catégories</a:t>
             </a:r>
           </a:p>
         </p:txBody>
@@ -36330,6 +36522,84 @@
                 <a:latin typeface="Google Sans"/>
               </a:rPr>
               <a:t>à, ce n’est pas très clair par rapport avec seulement RFM</a:t>
+            </a:r>
+          </a:p>
+        </p:txBody>
+      </p:sp>
+      <p:sp>
+        <p:nvSpPr>
+          <p:cNvPr id="17" name="ZoneTexte 16">
+            <a:extLst>
+              <a:ext uri="{FF2B5EF4-FFF2-40B4-BE49-F238E27FC236}">
+                <a16:creationId xmlns:a16="http://schemas.microsoft.com/office/drawing/2014/main" id="{6336D7ED-4A00-4EC9-8F46-556618B7326D}"/>
+              </a:ext>
+            </a:extLst>
+          </p:cNvPr>
+          <p:cNvSpPr txBox="1"/>
+          <p:nvPr/>
+        </p:nvSpPr>
+        <p:spPr>
+          <a:xfrm>
+            <a:off x="8811720" y="1269287"/>
+            <a:ext cx="3002374" cy="400110"/>
+          </a:xfrm>
+          <a:prstGeom prst="rect">
+            <a:avLst/>
+          </a:prstGeom>
+          <a:noFill/>
+          <a:ln w="38100">
+            <a:solidFill>
+              <a:srgbClr val="FF0000"/>
+            </a:solidFill>
+            <a:prstDash val="dash"/>
+          </a:ln>
+        </p:spPr>
+        <p:txBody>
+          <a:bodyPr wrap="square" rtlCol="0">
+            <a:spAutoFit/>
+          </a:bodyPr>
+          <a:lstStyle/>
+          <a:p>
+            <a:pPr algn="ctr"/>
+            <a:r>
+              <a:rPr lang="fr-FR" sz="2000" dirty="0">
+                <a:solidFill>
+                  <a:srgbClr val="FF0000"/>
+                </a:solidFill>
+              </a:rPr>
+              <a:t>Se </a:t>
+            </a:r>
+            <a:r>
+              <a:rPr lang="fr-FR" sz="2000" dirty="0" err="1">
+                <a:solidFill>
+                  <a:srgbClr val="FF0000"/>
+                </a:solidFill>
+              </a:rPr>
+              <a:t>uso</a:t>
+            </a:r>
+            <a:r>
+              <a:rPr lang="fr-FR" sz="2000" dirty="0">
+                <a:solidFill>
+                  <a:srgbClr val="FF0000"/>
+                </a:solidFill>
+              </a:rPr>
+              <a:t> </a:t>
+            </a:r>
+            <a:r>
+              <a:rPr lang="fr-FR" sz="2000" dirty="0" err="1">
+                <a:solidFill>
+                  <a:srgbClr val="FF0000"/>
+                </a:solidFill>
+              </a:rPr>
+              <a:t>internal</a:t>
+            </a:r>
+            <a:r>
+              <a:rPr lang="fr-FR" sz="2000" dirty="0">
+                <a:solidFill>
+                  <a:srgbClr val="FF0000"/>
+                </a:solidFill>
+              </a:rPr>
+              <a:t> information</a:t>
             </a:r>
           </a:p>
         </p:txBody>
@@ -37604,12 +37874,133 @@
           </a:p>
         </p:txBody>
       </p:sp>
-      <p:sp>
-        <p:nvSpPr>
-          <p:cNvPr id="31" name="Rectangle 30">
-            <a:extLst>
-              <a:ext uri="{FF2B5EF4-FFF2-40B4-BE49-F238E27FC236}">
-                <a16:creationId xmlns:a16="http://schemas.microsoft.com/office/drawing/2014/main" id="{11C3AFA5-B407-4499-B509-97F08C013B72}"/>
+      <p:pic>
+        <p:nvPicPr>
+          <p:cNvPr id="21" name="Image 20">
+            <a:extLst>
+              <a:ext uri="{FF2B5EF4-FFF2-40B4-BE49-F238E27FC236}">
+                <a16:creationId xmlns:a16="http://schemas.microsoft.com/office/drawing/2014/main" id="{75A6B918-45D3-411F-91EA-8560C3C247EF}"/>
+              </a:ext>
+            </a:extLst>
+          </p:cNvPr>
+          <p:cNvPicPr>
+            <a:picLocks noChangeAspect="1"/>
+          </p:cNvPicPr>
+          <p:nvPr/>
+        </p:nvPicPr>
+        <p:blipFill>
+          <a:blip r:embed="rId4"/>
+          <a:stretch>
+            <a:fillRect/>
+          </a:stretch>
+        </p:blipFill>
+        <p:spPr>
+          <a:xfrm>
+            <a:off x="8240037" y="1943018"/>
+            <a:ext cx="3353249" cy="3302442"/>
+          </a:xfrm>
+          <a:prstGeom prst="rect">
+            <a:avLst/>
+          </a:prstGeom>
+        </p:spPr>
+      </p:pic>
+      <p:pic>
+        <p:nvPicPr>
+          <p:cNvPr id="25" name="Image 24">
+            <a:extLst>
+              <a:ext uri="{FF2B5EF4-FFF2-40B4-BE49-F238E27FC236}">
+                <a16:creationId xmlns:a16="http://schemas.microsoft.com/office/drawing/2014/main" id="{54263138-DCF7-42DB-8719-704C961272D4}"/>
+              </a:ext>
+            </a:extLst>
+          </p:cNvPr>
+          <p:cNvPicPr>
+            <a:picLocks noChangeAspect="1"/>
+          </p:cNvPicPr>
+          <p:nvPr/>
+        </p:nvPicPr>
+        <p:blipFill>
+          <a:blip r:embed="rId5">
+            <a:duotone>
+              <a:schemeClr val="accent2">
+                <a:shade val="45000"/>
+                <a:satMod val="135000"/>
+              </a:schemeClr>
+              <a:prstClr val="white"/>
+            </a:duotone>
+            <a:extLst>
+              <a:ext uri="{28A0092B-C50C-407E-A947-70E740481C1C}">
+                <a14:useLocalDpi xmlns:a14="http://schemas.microsoft.com/office/drawing/2010/main" val="0"/>
+              </a:ext>
+            </a:extLst>
+          </a:blip>
+          <a:stretch>
+            <a:fillRect/>
+          </a:stretch>
+        </p:blipFill>
+        <p:spPr>
+          <a:xfrm>
+            <a:off x="7657898" y="1335629"/>
+            <a:ext cx="457727" cy="427272"/>
+          </a:xfrm>
+          <a:prstGeom prst="rect">
+            <a:avLst/>
+          </a:prstGeom>
+        </p:spPr>
+      </p:pic>
+      <p:sp>
+        <p:nvSpPr>
+          <p:cNvPr id="26" name="ZoneTexte 25">
+            <a:extLst>
+              <a:ext uri="{FF2B5EF4-FFF2-40B4-BE49-F238E27FC236}">
+                <a16:creationId xmlns:a16="http://schemas.microsoft.com/office/drawing/2014/main" id="{B7948647-4A56-4D64-B0D0-85AB660EC8E6}"/>
+              </a:ext>
+            </a:extLst>
+          </p:cNvPr>
+          <p:cNvSpPr txBox="1"/>
+          <p:nvPr/>
+        </p:nvSpPr>
+        <p:spPr>
+          <a:xfrm>
+            <a:off x="8124673" y="1335629"/>
+            <a:ext cx="3689420" cy="400110"/>
+          </a:xfrm>
+          <a:prstGeom prst="rect">
+            <a:avLst/>
+          </a:prstGeom>
+          <a:noFill/>
+        </p:spPr>
+        <p:txBody>
+          <a:bodyPr wrap="square">
+            <a:spAutoFit/>
+          </a:bodyPr>
+          <a:lstStyle/>
+          <a:p>
+            <a:r>
+              <a:rPr lang="fr-FR" sz="2000" b="1" u="sng" strike="noStrike" dirty="0">
+                <a:solidFill>
+                  <a:srgbClr val="000000"/>
+                </a:solidFill>
+                <a:effectLst/>
+                <a:latin typeface="Google Sans"/>
+              </a:rPr>
+              <a:t>Il faut avoir en compte que :</a:t>
+            </a:r>
+            <a:endParaRPr lang="fr-FR" sz="2000" u="none" strike="noStrike" dirty="0">
+              <a:solidFill>
+                <a:srgbClr val="000000"/>
+              </a:solidFill>
+              <a:effectLst/>
+              <a:latin typeface="Google Sans"/>
+            </a:endParaRPr>
+          </a:p>
+        </p:txBody>
+      </p:sp>
+      <p:sp>
+        <p:nvSpPr>
+          <p:cNvPr id="13" name="Rectangle 12">
+            <a:extLst>
+              <a:ext uri="{FF2B5EF4-FFF2-40B4-BE49-F238E27FC236}">
+                <a16:creationId xmlns:a16="http://schemas.microsoft.com/office/drawing/2014/main" id="{134E2365-6389-46C6-8DE0-A86E794F7EB2}"/>
               </a:ext>
             </a:extLst>
           </p:cNvPr>
@@ -37618,8 +38009,8 @@
         </p:nvSpPr>
         <p:spPr>
           <a:xfrm>
-            <a:off x="6237514" y="5815740"/>
-            <a:ext cx="5954486" cy="347580"/>
+            <a:off x="6008914" y="5736047"/>
+            <a:ext cx="6183086" cy="347580"/>
           </a:xfrm>
           <a:prstGeom prst="rect">
             <a:avLst/>
@@ -37669,10 +38060,10 @@
       </p:sp>
       <p:sp>
         <p:nvSpPr>
-          <p:cNvPr id="32" name="ZoneTexte 31">
-            <a:extLst>
-              <a:ext uri="{FF2B5EF4-FFF2-40B4-BE49-F238E27FC236}">
-                <a16:creationId xmlns:a16="http://schemas.microsoft.com/office/drawing/2014/main" id="{8FD90E48-8A00-44B7-842C-9EA3E56C2691}"/>
+          <p:cNvPr id="14" name="ZoneTexte 13">
+            <a:extLst>
+              <a:ext uri="{FF2B5EF4-FFF2-40B4-BE49-F238E27FC236}">
+                <a16:creationId xmlns:a16="http://schemas.microsoft.com/office/drawing/2014/main" id="{1FF2F846-FE91-4B42-9A42-094C92EC58AB}"/>
               </a:ext>
             </a:extLst>
           </p:cNvPr>
@@ -37681,8 +38072,8 @@
         </p:nvSpPr>
         <p:spPr>
           <a:xfrm>
-            <a:off x="6313714" y="5824765"/>
-            <a:ext cx="5878286" cy="338554"/>
+            <a:off x="6008914" y="5745072"/>
+            <a:ext cx="6183086" cy="338554"/>
           </a:xfrm>
           <a:prstGeom prst="rect">
             <a:avLst/>
@@ -37709,129 +38100,8 @@
                 <a:effectLst/>
                 <a:latin typeface="Google Sans"/>
               </a:rPr>
-              <a:t>Après filtrage, on peut dire que tous les client ont récemment acheté</a:t>
-            </a:r>
-          </a:p>
-        </p:txBody>
-      </p:sp>
-      <p:pic>
-        <p:nvPicPr>
-          <p:cNvPr id="21" name="Image 20">
-            <a:extLst>
-              <a:ext uri="{FF2B5EF4-FFF2-40B4-BE49-F238E27FC236}">
-                <a16:creationId xmlns:a16="http://schemas.microsoft.com/office/drawing/2014/main" id="{75A6B918-45D3-411F-91EA-8560C3C247EF}"/>
-              </a:ext>
-            </a:extLst>
-          </p:cNvPr>
-          <p:cNvPicPr>
-            <a:picLocks noChangeAspect="1"/>
-          </p:cNvPicPr>
-          <p:nvPr/>
-        </p:nvPicPr>
-        <p:blipFill>
-          <a:blip r:embed="rId4"/>
-          <a:stretch>
-            <a:fillRect/>
-          </a:stretch>
-        </p:blipFill>
-        <p:spPr>
-          <a:xfrm>
-            <a:off x="8240037" y="1943018"/>
-            <a:ext cx="3353249" cy="3302442"/>
-          </a:xfrm>
-          <a:prstGeom prst="rect">
-            <a:avLst/>
-          </a:prstGeom>
-        </p:spPr>
-      </p:pic>
-      <p:pic>
-        <p:nvPicPr>
-          <p:cNvPr id="25" name="Image 24">
-            <a:extLst>
-              <a:ext uri="{FF2B5EF4-FFF2-40B4-BE49-F238E27FC236}">
-                <a16:creationId xmlns:a16="http://schemas.microsoft.com/office/drawing/2014/main" id="{54263138-DCF7-42DB-8719-704C961272D4}"/>
-              </a:ext>
-            </a:extLst>
-          </p:cNvPr>
-          <p:cNvPicPr>
-            <a:picLocks noChangeAspect="1"/>
-          </p:cNvPicPr>
-          <p:nvPr/>
-        </p:nvPicPr>
-        <p:blipFill>
-          <a:blip r:embed="rId5">
-            <a:duotone>
-              <a:schemeClr val="accent2">
-                <a:shade val="45000"/>
-                <a:satMod val="135000"/>
-              </a:schemeClr>
-              <a:prstClr val="white"/>
-            </a:duotone>
-            <a:extLst>
-              <a:ext uri="{28A0092B-C50C-407E-A947-70E740481C1C}">
-                <a14:useLocalDpi xmlns:a14="http://schemas.microsoft.com/office/drawing/2010/main" val="0"/>
-              </a:ext>
-            </a:extLst>
-          </a:blip>
-          <a:stretch>
-            <a:fillRect/>
-          </a:stretch>
-        </p:blipFill>
-        <p:spPr>
-          <a:xfrm>
-            <a:off x="7657898" y="1335629"/>
-            <a:ext cx="457727" cy="427272"/>
-          </a:xfrm>
-          <a:prstGeom prst="rect">
-            <a:avLst/>
-          </a:prstGeom>
-        </p:spPr>
-      </p:pic>
-      <p:sp>
-        <p:nvSpPr>
-          <p:cNvPr id="26" name="ZoneTexte 25">
-            <a:extLst>
-              <a:ext uri="{FF2B5EF4-FFF2-40B4-BE49-F238E27FC236}">
-                <a16:creationId xmlns:a16="http://schemas.microsoft.com/office/drawing/2014/main" id="{B7948647-4A56-4D64-B0D0-85AB660EC8E6}"/>
-              </a:ext>
-            </a:extLst>
-          </p:cNvPr>
-          <p:cNvSpPr txBox="1"/>
-          <p:nvPr/>
-        </p:nvSpPr>
-        <p:spPr>
-          <a:xfrm>
-            <a:off x="8124673" y="1335629"/>
-            <a:ext cx="3689420" cy="400110"/>
-          </a:xfrm>
-          <a:prstGeom prst="rect">
-            <a:avLst/>
-          </a:prstGeom>
-          <a:noFill/>
-        </p:spPr>
-        <p:txBody>
-          <a:bodyPr wrap="square">
-            <a:spAutoFit/>
-          </a:bodyPr>
-          <a:lstStyle/>
-          <a:p>
-            <a:r>
-              <a:rPr lang="fr-FR" sz="2000" b="1" u="sng" strike="noStrike" dirty="0">
-                <a:solidFill>
-                  <a:srgbClr val="000000"/>
-                </a:solidFill>
-                <a:effectLst/>
-                <a:latin typeface="Google Sans"/>
-              </a:rPr>
-              <a:t>Il faut avoir en compte que :</a:t>
-            </a:r>
-            <a:endParaRPr lang="fr-FR" sz="2000" u="none" strike="noStrike" dirty="0">
-              <a:solidFill>
-                <a:srgbClr val="000000"/>
-              </a:solidFill>
-              <a:effectLst/>
-              <a:latin typeface="Google Sans"/>
-            </a:endParaRPr>
+              <a:t>Après filtrage, on peut dire que tous les client ont « récemment acheté »</a:t>
+            </a:r>
           </a:p>
         </p:txBody>
       </p:sp>
